--- a/900 모터 동력기 평가 기준.pptx
+++ b/900 모터 동력기 평가 기준.pptx
@@ -7966,7 +7966,7 @@
           <a:p>
             <a:fld id="{60456C2F-1F67-44A5-80B0-9C3A6CA33C82}" type="datetimeFigureOut">
               <a:rPr lang="en-US" smtClean="0"/>
-              <a:t>7/22/2019</a:t>
+              <a:t>8/2/2019</a:t>
             </a:fld>
             <a:endParaRPr lang="en-US"/>
           </a:p>
@@ -8365,7 +8365,7 @@
           <a:p>
             <a:fld id="{4B8CE5B3-FE15-4736-A941-E1F026C743CA}" type="datetime1">
               <a:rPr lang="ko-KR" altLang="en-US" smtClean="0"/>
-              <a:t>2019-07-22</a:t>
+              <a:t>2019-08-02</a:t>
             </a:fld>
             <a:endParaRPr lang="en-US"/>
           </a:p>
@@ -8464,7 +8464,7 @@
           <a:p>
             <a:fld id="{04CC4BE2-8272-4266-8CED-33FDDBA8E378}" type="datetime1">
               <a:rPr lang="ko-KR" altLang="en-US" smtClean="0"/>
-              <a:t>2019-07-22</a:t>
+              <a:t>2019-08-02</a:t>
             </a:fld>
             <a:endParaRPr lang="en-US"/>
           </a:p>
@@ -8638,7 +8638,7 @@
           <a:p>
             <a:fld id="{0DFD35D2-767F-4482-B26C-D3A87860229C}" type="datetime1">
               <a:rPr lang="ko-KR" altLang="en-US" smtClean="0"/>
-              <a:t>2019-07-22</a:t>
+              <a:t>2019-08-02</a:t>
             </a:fld>
             <a:endParaRPr lang="en-US"/>
           </a:p>
@@ -8889,7 +8889,7 @@
           <a:p>
             <a:fld id="{97FF27CA-9E1F-4409-A054-911DED4E9E66}" type="datetime1">
               <a:rPr lang="ko-KR" altLang="en-US" smtClean="0"/>
-              <a:t>2019-07-22</a:t>
+              <a:t>2019-08-02</a:t>
             </a:fld>
             <a:endParaRPr lang="en-US"/>
           </a:p>
@@ -9205,7 +9205,7 @@
           <a:p>
             <a:fld id="{4B5E708C-A075-430E-8E27-F68E54FE2F72}" type="datetime1">
               <a:rPr lang="ko-KR" altLang="en-US" smtClean="0"/>
-              <a:t>2019-07-22</a:t>
+              <a:t>2019-08-02</a:t>
             </a:fld>
             <a:endParaRPr lang="en-US"/>
           </a:p>
@@ -9541,7 +9541,7 @@
           <a:p>
             <a:fld id="{B6A2A7F4-7DE1-4C58-9911-4F90E3634445}" type="datetime1">
               <a:rPr lang="ko-KR" altLang="en-US" smtClean="0"/>
-              <a:t>2019-07-22</a:t>
+              <a:t>2019-08-02</a:t>
             </a:fld>
             <a:endParaRPr lang="en-US"/>
           </a:p>
@@ -9820,7 +9820,7 @@
           <a:p>
             <a:fld id="{2A1CB736-32BA-4EC6-A86E-2909BC5F5566}" type="datetime1">
               <a:rPr lang="ko-KR" altLang="en-US" smtClean="0"/>
-              <a:t>2019-07-22</a:t>
+              <a:t>2019-08-02</a:t>
             </a:fld>
             <a:endParaRPr lang="en-US"/>
           </a:p>
@@ -10136,7 +10136,7 @@
           <a:p>
             <a:fld id="{086548C8-4D3C-42F7-9434-9229D61EED42}" type="datetime1">
               <a:rPr lang="ko-KR" altLang="en-US" smtClean="0"/>
-              <a:t>2019-07-22</a:t>
+              <a:t>2019-08-02</a:t>
             </a:fld>
             <a:endParaRPr lang="en-US"/>
           </a:p>
@@ -10550,7 +10550,7 @@
           <a:p>
             <a:fld id="{E11C24E3-F7C4-4937-A688-C8A62057CB93}" type="datetime1">
               <a:rPr lang="ko-KR" altLang="en-US" smtClean="0"/>
-              <a:t>2019-07-22</a:t>
+              <a:t>2019-08-02</a:t>
             </a:fld>
             <a:endParaRPr lang="en-US"/>
           </a:p>
@@ -10672,7 +10672,7 @@
           <a:p>
             <a:fld id="{68480582-546C-40BA-947C-050F7974EB70}" type="datetime1">
               <a:rPr lang="ko-KR" altLang="en-US" smtClean="0"/>
-              <a:t>2019-07-22</a:t>
+              <a:t>2019-08-02</a:t>
             </a:fld>
             <a:endParaRPr lang="en-US"/>
           </a:p>
@@ -10939,7 +10939,7 @@
           <a:p>
             <a:fld id="{A33BDE68-C76E-4DFA-9B48-E1704603CB80}" type="datetime1">
               <a:rPr lang="ko-KR" altLang="en-US" smtClean="0"/>
-              <a:t>2019-07-22</a:t>
+              <a:t>2019-08-02</a:t>
             </a:fld>
             <a:endParaRPr lang="en-US"/>
           </a:p>
@@ -11569,14 +11569,14 @@
             <p:ph idx="1"/>
             <p:extLst>
               <p:ext uri="{D42A27DB-BD31-4B8C-83A1-F6EECF244321}">
-                <p14:modId xmlns:p14="http://schemas.microsoft.com/office/powerpoint/2010/main" val="4018444348"/>
+                <p14:modId xmlns:p14="http://schemas.microsoft.com/office/powerpoint/2010/main" val="401463194"/>
               </p:ext>
             </p:extLst>
           </p:nvPr>
         </p:nvGraphicFramePr>
         <p:xfrm>
           <a:off x="681038" y="1255717"/>
-          <a:ext cx="8543925" cy="5100634"/>
+          <a:ext cx="8543925" cy="4173246"/>
         </p:xfrm>
         <a:graphic>
           <a:graphicData uri="http://schemas.openxmlformats.org/drawingml/2006/table">
@@ -12085,9 +12085,10 @@
                     <a:p>
                       <a:pPr algn="ctr"/>
                       <a:r>
-                        <a:rPr lang="en-US"/>
+                        <a:rPr lang="en-US" smtClean="0"/>
                         <a:t>7</a:t>
                       </a:r>
+                      <a:endParaRPr lang="en-US" dirty="0"/>
                     </a:p>
                   </a:txBody>
                   <a:tcPr anchor="ctr"/>
@@ -12099,22 +12100,46 @@
                     <a:p>
                       <a:pPr algn="l"/>
                       <a:r>
-                        <a:rPr lang="ko-KR" altLang="en-US"/>
-                        <a:t>비행거리가 </a:t>
+                        <a:rPr lang="ko-KR" altLang="en-US" dirty="0"/>
+                        <a:t>비행시간이 </a:t>
                       </a:r>
                       <a:r>
-                        <a:rPr lang="en-US" altLang="ko-KR"/>
-                        <a:t>100m </a:t>
+                        <a:rPr lang="en-US" altLang="ko-KR" dirty="0"/>
+                        <a:t>3</a:t>
                       </a:r>
                       <a:r>
-                        <a:rPr lang="ko-KR" altLang="en-US"/>
+                        <a:rPr lang="ko-KR" altLang="en-US" dirty="0"/>
+                        <a:t>초 이상</a:t>
+                      </a:r>
+                      <a:r>
+                        <a:rPr lang="en-US" altLang="ko-KR" dirty="0"/>
+                        <a:t>(</a:t>
+                      </a:r>
+                      <a:r>
+                        <a:rPr lang="ko-KR" altLang="en-US" dirty="0"/>
+                        <a:t>투척시 </a:t>
+                      </a:r>
+                      <a:r>
+                        <a:rPr lang="en-US" altLang="ko-KR" dirty="0"/>
+                        <a:t>5</a:t>
+                      </a:r>
+                      <a:r>
+                        <a:rPr lang="ko-KR" altLang="en-US" dirty="0"/>
+                        <a:t>초</a:t>
+                      </a:r>
+                      <a:r>
+                        <a:rPr lang="en-US" altLang="ko-KR" dirty="0"/>
+                        <a:t>) </a:t>
+                      </a:r>
+                      <a:r>
+                        <a:rPr lang="ko-KR" altLang="en-US" dirty="0"/>
                         <a:t>이상인가</a:t>
                       </a:r>
                       <a:r>
-                        <a:rPr lang="en-US" altLang="ko-KR"/>
+                        <a:rPr lang="en-US" altLang="ko-KR" dirty="0"/>
                         <a:t>?</a:t>
                       </a:r>
-                      <a:endParaRPr lang="en-US"/>
+                      <a:endParaRPr lang="en-US" dirty="0"/>
                     </a:p>
                   </a:txBody>
                   <a:tcPr anchor="ctr"/>
@@ -12142,98 +12167,7 @@
                         <a:defRPr/>
                       </a:pPr>
                       <a:r>
-                        <a:rPr kumimoji="0" lang="en-US" sz="1800" b="0" i="0" u="none" strike="noStrike" kern="1200" cap="none" spc="0" normalizeH="0" baseline="0" noProof="0">
-                          <a:ln>
-                            <a:noFill/>
-                          </a:ln>
-                          <a:solidFill>
-                            <a:prstClr val="black"/>
-                          </a:solidFill>
-                          <a:effectLst/>
-                          <a:uLnTx/>
-                          <a:uFillTx/>
-                          <a:latin typeface="Calibri" panose="020F0502020204030204"/>
-                          <a:ea typeface="+mn-ea"/>
-                          <a:cs typeface="+mn-cs"/>
-                        </a:rPr>
-                        <a:t>10</a:t>
-                      </a:r>
-                    </a:p>
-                  </a:txBody>
-                  <a:tcPr anchor="ctr"/>
-                </a:tc>
-                <a:extLst>
-                  <a:ext uri="{0D108BD9-81ED-4DB2-BD59-A6C34878D82A}">
-                    <a16:rowId xmlns:a16="http://schemas.microsoft.com/office/drawing/2014/main" val="1228848642"/>
-                  </a:ext>
-                </a:extLst>
-              </a:tr>
-              <a:tr h="463694">
-                <a:tc>
-                  <a:txBody>
-                    <a:bodyPr/>
-                    <a:lstStyle/>
-                    <a:p>
-                      <a:pPr algn="ctr"/>
-                      <a:r>
-                        <a:rPr lang="en-US"/>
-                        <a:t>8</a:t>
-                      </a:r>
-                    </a:p>
-                  </a:txBody>
-                  <a:tcPr anchor="ctr"/>
-                </a:tc>
-                <a:tc>
-                  <a:txBody>
-                    <a:bodyPr/>
-                    <a:lstStyle/>
-                    <a:p>
-                      <a:pPr algn="l"/>
-                      <a:r>
-                        <a:rPr lang="ko-KR" altLang="en-US"/>
-                        <a:t>비행시간이 </a:t>
-                      </a:r>
-                      <a:r>
-                        <a:rPr lang="en-US" altLang="ko-KR"/>
-                        <a:t>5</a:t>
-                      </a:r>
-                      <a:r>
-                        <a:rPr lang="ko-KR" altLang="en-US"/>
-                        <a:t>초 이상인가</a:t>
-                      </a:r>
-                      <a:r>
-                        <a:rPr lang="en-US" altLang="ko-KR"/>
-                        <a:t>?</a:t>
-                      </a:r>
-                      <a:endParaRPr lang="en-US"/>
-                    </a:p>
-                  </a:txBody>
-                  <a:tcPr anchor="ctr"/>
-                </a:tc>
-                <a:tc>
-                  <a:txBody>
-                    <a:bodyPr/>
-                    <a:lstStyle/>
-                    <a:p>
-                      <a:pPr marL="0" marR="0" lvl="0" indent="0" algn="ctr" defTabSz="914400" rtl="0" eaLnBrk="1" fontAlgn="auto" latinLnBrk="0" hangingPunct="1">
-                        <a:lnSpc>
-                          <a:spcPct val="100000"/>
-                        </a:lnSpc>
-                        <a:spcBef>
-                          <a:spcPts val="0"/>
-                        </a:spcBef>
-                        <a:spcAft>
-                          <a:spcPts val="0"/>
-                        </a:spcAft>
-                        <a:buClrTx/>
-                        <a:buSzTx/>
-                        <a:buFontTx/>
-                        <a:buNone/>
-                        <a:tabLst/>
-                        <a:defRPr/>
-                      </a:pPr>
-                      <a:r>
-                        <a:rPr kumimoji="0" lang="en-US" sz="1800" b="0" i="0" u="none" strike="noStrike" kern="1200" cap="none" spc="0" normalizeH="0" baseline="0" noProof="0">
+                        <a:rPr kumimoji="0" lang="en-US" sz="1800" b="0" i="0" u="none" strike="noStrike" kern="1200" cap="none" spc="0" normalizeH="0" baseline="0" noProof="0" dirty="0">
                           <a:ln>
                             <a:noFill/>
                           </a:ln>
@@ -12267,9 +12201,10 @@
                     <a:p>
                       <a:pPr algn="ctr"/>
                       <a:r>
-                        <a:rPr lang="en-US"/>
-                        <a:t>9</a:t>
+                        <a:rPr lang="en-US" smtClean="0"/>
+                        <a:t>8</a:t>
                       </a:r>
+                      <a:endParaRPr lang="en-US" dirty="0"/>
                     </a:p>
                   </a:txBody>
                   <a:tcPr anchor="ctr"/>
@@ -12281,14 +12216,14 @@
                     <a:p>
                       <a:pPr algn="l"/>
                       <a:r>
-                        <a:rPr lang="ko-KR" altLang="en-US"/>
-                        <a:t>비행기 제작 매뉴얼이 구비되었는가</a:t>
+                        <a:rPr lang="ko-KR" altLang="en-US" smtClean="0"/>
+                        <a:t>제작과정을 설명하는 자료</a:t>
                       </a:r>
                       <a:r>
-                        <a:rPr lang="en-US" altLang="ko-KR"/>
-                        <a:t>?</a:t>
+                        <a:rPr lang="ko-KR" altLang="en-US" baseline="0" smtClean="0"/>
+                        <a:t> 준비</a:t>
                       </a:r>
-                      <a:endParaRPr lang="en-US"/>
+                      <a:endParaRPr lang="en-US" dirty="0"/>
                     </a:p>
                   </a:txBody>
                   <a:tcPr anchor="ctr"/>
@@ -12316,7 +12251,7 @@
                         <a:defRPr/>
                       </a:pPr>
                       <a:r>
-                        <a:rPr kumimoji="0" lang="en-US" sz="1800" b="0" i="0" u="none" strike="noStrike" kern="1200" cap="none" spc="0" normalizeH="0" baseline="0" noProof="0">
+                        <a:rPr kumimoji="0" lang="en-US" sz="1800" b="0" i="0" u="none" strike="noStrike" kern="1200" cap="none" spc="0" normalizeH="0" baseline="0" noProof="0" smtClean="0">
                           <a:ln>
                             <a:noFill/>
                           </a:ln>
@@ -12332,96 +12267,27 @@
                         </a:rPr>
                         <a:t>10</a:t>
                       </a:r>
+                      <a:endParaRPr kumimoji="0" lang="en-US" sz="1800" b="0" i="0" u="none" strike="noStrike" kern="1200" cap="none" spc="0" normalizeH="0" baseline="0" noProof="0" dirty="0">
+                        <a:ln>
+                          <a:noFill/>
+                        </a:ln>
+                        <a:solidFill>
+                          <a:prstClr val="black"/>
+                        </a:solidFill>
+                        <a:effectLst/>
+                        <a:uLnTx/>
+                        <a:uFillTx/>
+                        <a:latin typeface="Calibri" panose="020F0502020204030204"/>
+                        <a:ea typeface="+mn-ea"/>
+                        <a:cs typeface="+mn-cs"/>
+                      </a:endParaRPr>
                     </a:p>
                   </a:txBody>
                   <a:tcPr anchor="ctr"/>
                 </a:tc>
                 <a:extLst>
                   <a:ext uri="{0D108BD9-81ED-4DB2-BD59-A6C34878D82A}">
-                    <a16:rowId xmlns:a16="http://schemas.microsoft.com/office/drawing/2014/main" val="3422671824"/>
-                  </a:ext>
-                </a:extLst>
-              </a:tr>
-              <a:tr h="463694">
-                <a:tc>
-                  <a:txBody>
-                    <a:bodyPr/>
-                    <a:lstStyle/>
-                    <a:p>
-                      <a:pPr algn="ctr"/>
-                      <a:r>
-                        <a:rPr lang="en-US"/>
-                        <a:t>10</a:t>
-                      </a:r>
-                    </a:p>
-                  </a:txBody>
-                  <a:tcPr anchor="ctr"/>
-                </a:tc>
-                <a:tc>
-                  <a:txBody>
-                    <a:bodyPr/>
-                    <a:lstStyle/>
-                    <a:p>
-                      <a:pPr algn="l"/>
-                      <a:r>
-                        <a:rPr lang="ko-KR" altLang="en-US"/>
-                        <a:t>비행 원리를 이론적으로 설명할 수 있는가</a:t>
-                      </a:r>
-                      <a:r>
-                        <a:rPr lang="en-US" altLang="ko-KR"/>
-                        <a:t>?</a:t>
-                      </a:r>
-                      <a:endParaRPr lang="en-US"/>
-                    </a:p>
-                  </a:txBody>
-                  <a:tcPr anchor="ctr"/>
-                </a:tc>
-                <a:tc>
-                  <a:txBody>
-                    <a:bodyPr/>
-                    <a:lstStyle/>
-                    <a:p>
-                      <a:pPr marL="0" marR="0" lvl="0" indent="0" algn="ctr" defTabSz="914400" rtl="0" eaLnBrk="1" fontAlgn="auto" latinLnBrk="0" hangingPunct="1">
-                        <a:lnSpc>
-                          <a:spcPct val="100000"/>
-                        </a:lnSpc>
-                        <a:spcBef>
-                          <a:spcPts val="0"/>
-                        </a:spcBef>
-                        <a:spcAft>
-                          <a:spcPts val="0"/>
-                        </a:spcAft>
-                        <a:buClrTx/>
-                        <a:buSzTx/>
-                        <a:buFontTx/>
-                        <a:buNone/>
-                        <a:tabLst/>
-                        <a:defRPr/>
-                      </a:pPr>
-                      <a:r>
-                        <a:rPr kumimoji="0" lang="en-US" sz="1800" b="0" i="0" u="none" strike="noStrike" kern="1200" cap="none" spc="0" normalizeH="0" baseline="0" noProof="0">
-                          <a:ln>
-                            <a:noFill/>
-                          </a:ln>
-                          <a:solidFill>
-                            <a:prstClr val="black"/>
-                          </a:solidFill>
-                          <a:effectLst/>
-                          <a:uLnTx/>
-                          <a:uFillTx/>
-                          <a:latin typeface="Calibri" panose="020F0502020204030204"/>
-                          <a:ea typeface="+mn-ea"/>
-                          <a:cs typeface="+mn-cs"/>
-                        </a:rPr>
-                        <a:t>10</a:t>
-                      </a:r>
-                    </a:p>
-                  </a:txBody>
-                  <a:tcPr anchor="ctr"/>
-                </a:tc>
-                <a:extLst>
-                  <a:ext uri="{0D108BD9-81ED-4DB2-BD59-A6C34878D82A}">
-                    <a16:rowId xmlns:a16="http://schemas.microsoft.com/office/drawing/2014/main" val="1551468730"/>
+                    <a16:rowId xmlns:a16="http://schemas.microsoft.com/office/drawing/2014/main" val="4021315768"/>
                   </a:ext>
                 </a:extLst>
               </a:tr>
@@ -12446,7 +12312,7 @@
           <a:p>
             <a:fld id="{C61E69A4-9937-4331-841E-0234753C6EB3}" type="datetime1">
               <a:rPr lang="ko-KR" altLang="en-US" smtClean="0"/>
-              <a:t>2019-07-22</a:t>
+              <a:t>2019-08-02</a:t>
             </a:fld>
             <a:endParaRPr lang="en-US"/>
           </a:p>
@@ -12654,7 +12520,7 @@
           <a:p>
             <a:fld id="{FC5A962A-FC6B-4658-B218-4631EC9047F8}" type="datetime1">
               <a:rPr lang="ko-KR" altLang="en-US" smtClean="0"/>
-              <a:t>2019-07-22</a:t>
+              <a:t>2019-08-02</a:t>
             </a:fld>
             <a:endParaRPr lang="en-US"/>
           </a:p>
@@ -12809,7 +12675,7 @@
           <a:p>
             <a:fld id="{F36E21C7-C85F-4A57-8BF6-3C01D4749681}" type="datetime1">
               <a:rPr lang="ko-KR" altLang="en-US" smtClean="0"/>
-              <a:t>2019-07-22</a:t>
+              <a:t>2019-08-02</a:t>
             </a:fld>
             <a:endParaRPr lang="en-US"/>
           </a:p>
